--- a/week-3/Beyond Scratch Basics week3.pptx
+++ b/week-3/Beyond Scratch Basics week3.pptx
@@ -121,7 +121,7 @@
   </p:defaultTextStyle>
   <p:extLst>
     <p:ext uri="{EFAFB233-063F-42B5-8137-9DF3F51BA10A}">
-      <p15:sldGuideLst xmlns:p15="http://schemas.microsoft.com/office/powerpoint/2012/main">
+      <p15:sldGuideLst xmlns:p15="http://schemas.microsoft.com/office/powerpoint/2012/main" xmlns="">
         <p15:guide id="1" orient="horz" pos="2160">
           <p15:clr>
             <a:srgbClr val="A4A3A4"/>
@@ -4422,21 +4422,8 @@
                   <a:schemeClr val="bg1"/>
                 </a:solidFill>
               </a:rPr>
-              <a:t>Smallest change:  Add the score </a:t>
-            </a:r>
-            <a:r>
-              <a:rPr lang="en-US" dirty="0" smtClean="0">
-                <a:solidFill>
-                  <a:schemeClr val="bg1"/>
-                </a:solidFill>
-              </a:rPr>
-              <a:t>(“points”)</a:t>
-            </a:r>
-            <a:endParaRPr lang="en-US" dirty="0" smtClean="0">
-              <a:solidFill>
-                <a:schemeClr val="bg1"/>
-              </a:solidFill>
-            </a:endParaRPr>
+              <a:t>Smallest change:  Add the score (“points”)</a:t>
+            </a:r>
           </a:p>
           <a:p>
             <a:r>
@@ -4592,15 +4579,7 @@
                   <a:schemeClr val="bg1"/>
                 </a:solidFill>
               </a:rPr>
-              <a:t>Next </a:t>
-            </a:r>
-            <a:r>
-              <a:rPr lang="en-US" sz="4000" b="1" dirty="0" smtClean="0">
-                <a:solidFill>
-                  <a:schemeClr val="bg1"/>
-                </a:solidFill>
-              </a:rPr>
-              <a:t>improvement:</a:t>
+              <a:t>Next improvement:</a:t>
             </a:r>
             <a:endParaRPr lang="en-US" sz="4000" b="1" dirty="0">
               <a:solidFill>
@@ -4651,11 +4630,6 @@
               </a:rPr>
               <a:t>.  </a:t>
             </a:r>
-            <a:endParaRPr lang="en-US" dirty="0" smtClean="0">
-              <a:solidFill>
-                <a:schemeClr val="bg1"/>
-              </a:solidFill>
-            </a:endParaRPr>
           </a:p>
           <a:p>
             <a:pPr marL="0" indent="0">
@@ -4711,11 +4685,6 @@
               </a:rPr>
               <a:t>“Up key” to increase velocity, down key to slow down or stop</a:t>
             </a:r>
-            <a:endParaRPr lang="en-US" dirty="0" smtClean="0">
-              <a:solidFill>
-                <a:schemeClr val="bg1"/>
-              </a:solidFill>
-            </a:endParaRPr>
           </a:p>
           <a:p>
             <a:pPr marL="0" indent="0">
@@ -4729,11 +4698,6 @@
               </a:rPr>
               <a:t>The “go to” and “point in” blocks from before are very, very helpful!</a:t>
             </a:r>
-            <a:endParaRPr lang="en-US" dirty="0" smtClean="0">
-              <a:solidFill>
-                <a:schemeClr val="bg1"/>
-              </a:solidFill>
-            </a:endParaRPr>
           </a:p>
           <a:p>
             <a:pPr marL="0" indent="0">
@@ -5110,13 +5074,13 @@
   <p:clrMapOvr>
     <a:masterClrMapping/>
   </p:clrMapOvr>
-  <mc:AlternateContent xmlns:mc="http://schemas.openxmlformats.org/markup-compatibility/2006">
-    <mc:Choice xmlns:p14="http://schemas.microsoft.com/office/powerpoint/2010/main" Requires="p14">
+  <mc:AlternateContent xmlns:mc="http://schemas.openxmlformats.org/markup-compatibility/2006" xmlns:p14="http://schemas.microsoft.com/office/powerpoint/2010/main">
+    <mc:Choice Requires="p14">
       <p:transition spd="slow" p14:dur="2000">
         <p14:honeycomb/>
       </p:transition>
     </mc:Choice>
-    <mc:Fallback>
+    <mc:Fallback xmlns="">
       <p:transition spd="slow">
         <p:fade/>
       </p:transition>
@@ -5527,54 +5491,17 @@
                   <a:schemeClr val="bg1"/>
                 </a:solidFill>
               </a:rPr>
-              <a:t>I think I need a new </a:t>
-            </a:r>
+              <a:t>I think I need a new “You were hit” message, rather than just “You Lose”</a:t>
+            </a:r>
+          </a:p>
+          <a:p>
             <a:r>
               <a:rPr lang="en-US" dirty="0" smtClean="0">
                 <a:solidFill>
                   <a:schemeClr val="bg1"/>
                 </a:solidFill>
               </a:rPr>
-              <a:t>“You were hit” message, rather than just “You Lose”</a:t>
-            </a:r>
-            <a:endParaRPr lang="en-US" dirty="0" smtClean="0">
-              <a:solidFill>
-                <a:schemeClr val="bg1"/>
-              </a:solidFill>
-            </a:endParaRPr>
-          </a:p>
-          <a:p>
-            <a:r>
-              <a:rPr lang="en-US" dirty="0" smtClean="0">
-                <a:solidFill>
-                  <a:schemeClr val="bg1"/>
-                </a:solidFill>
-              </a:rPr>
-              <a:t>I </a:t>
-            </a:r>
-            <a:r>
-              <a:rPr lang="en-US" dirty="0" smtClean="0">
-                <a:solidFill>
-                  <a:schemeClr val="bg1"/>
-                </a:solidFill>
-              </a:rPr>
-              <a:t>would put message handlers on </a:t>
-            </a:r>
-            <a:r>
-              <a:rPr lang="en-US" dirty="0" smtClean="0">
-                <a:solidFill>
-                  <a:schemeClr val="bg1"/>
-                </a:solidFill>
-              </a:rPr>
-              <a:t>the messaging sprite </a:t>
-            </a:r>
-            <a:r>
-              <a:rPr lang="en-US" dirty="0" smtClean="0">
-                <a:solidFill>
-                  <a:schemeClr val="bg1"/>
-                </a:solidFill>
-              </a:rPr>
-              <a:t>to set the correct costume to match the messages.</a:t>
+              <a:t>I would put message handlers on the messaging sprite to set the correct costume to match the messages.</a:t>
             </a:r>
             <a:endParaRPr lang="en-US" dirty="0">
               <a:solidFill>
@@ -6039,11 +5966,6 @@
               </a:rPr>
               <a:t>Multiplayer Scratch depends on Cloud Variables</a:t>
             </a:r>
-            <a:endParaRPr lang="en-US" dirty="0" smtClean="0">
-              <a:solidFill>
-                <a:schemeClr val="bg1"/>
-              </a:solidFill>
-            </a:endParaRPr>
           </a:p>
           <a:p>
             <a:r>
@@ -6054,11 +5976,6 @@
               </a:rPr>
               <a:t>I’m still a ‘new scratcher’, but some kids in here have it!</a:t>
             </a:r>
-            <a:endParaRPr lang="en-US" dirty="0" smtClean="0">
-              <a:solidFill>
-                <a:schemeClr val="bg1"/>
-              </a:solidFill>
-            </a:endParaRPr>
           </a:p>
           <a:p>
             <a:endParaRPr lang="en-US" dirty="0">
@@ -6076,11 +5993,6 @@
               </a:rPr>
               <a:t>This looked like a fun game</a:t>
             </a:r>
-            <a:endParaRPr lang="en-US" dirty="0" smtClean="0">
-              <a:solidFill>
-                <a:schemeClr val="bg1"/>
-              </a:solidFill>
-            </a:endParaRPr>
           </a:p>
           <a:p>
             <a:pPr lvl="1"/>
@@ -6123,15 +6035,7 @@
                   <a:schemeClr val="bg1"/>
                 </a:solidFill>
               </a:rPr>
-              <a:t>Did you like this class?  </a:t>
-            </a:r>
-            <a:r>
-              <a:rPr lang="en-US" dirty="0" smtClean="0">
-                <a:solidFill>
-                  <a:schemeClr val="bg1"/>
-                </a:solidFill>
-              </a:rPr>
-              <a:t>What should I cover next?  Maybe some physics?  (Bounce, tension)</a:t>
+              <a:t>Did you like this class?  What should I cover next?  Maybe some physics?  (Bounce, tension)</a:t>
             </a:r>
           </a:p>
           <a:p>
@@ -8141,15 +8045,7 @@
                   <a:schemeClr val="bg1"/>
                 </a:solidFill>
               </a:rPr>
-              <a:t>with </a:t>
-            </a:r>
-            <a:r>
-              <a:rPr lang="en-US" sz="6300" dirty="0" smtClean="0">
-                <a:solidFill>
-                  <a:schemeClr val="bg1"/>
-                </a:solidFill>
-              </a:rPr>
-              <a:t>scratch.mit.edu/projects/17772258</a:t>
+              <a:t>with scratch.mit.edu/projects/17772258</a:t>
             </a:r>
           </a:p>
           <a:p>
@@ -8164,11 +8060,6 @@
               </a:rPr>
               <a:t>(Re-mix it to make your own copy)</a:t>
             </a:r>
-            <a:endParaRPr lang="en-US" sz="6300" dirty="0" smtClean="0">
-              <a:solidFill>
-                <a:schemeClr val="bg1"/>
-              </a:solidFill>
-            </a:endParaRPr>
           </a:p>
           <a:p>
             <a:endParaRPr lang="en-US" sz="6300" dirty="0" smtClean="0">
@@ -8213,15 +8104,7 @@
                   <a:schemeClr val="bg1"/>
                 </a:solidFill>
               </a:rPr>
-              <a:t>Make the ship rotate (by 8 degrees) when you press right or left </a:t>
-            </a:r>
-            <a:r>
-              <a:rPr lang="en-US" sz="6300" dirty="0" smtClean="0">
-                <a:solidFill>
-                  <a:schemeClr val="bg1"/>
-                </a:solidFill>
-              </a:rPr>
-              <a:t>keys</a:t>
+              <a:t>Make the ship rotate (by 8 degrees) when you press right or left keys</a:t>
             </a:r>
             <a:r>
               <a:rPr lang="en-US" dirty="0" smtClean="0"/>
@@ -9319,11 +9202,6 @@
               </a:rPr>
               <a:t>What are some important game events? </a:t>
             </a:r>
-            <a:endParaRPr lang="en-US" sz="4000" b="1" dirty="0" smtClean="0">
-              <a:solidFill>
-                <a:schemeClr val="bg1"/>
-              </a:solidFill>
-            </a:endParaRPr>
           </a:p>
           <a:p>
             <a:r>
@@ -9344,11 +9222,6 @@
               </a:rPr>
               <a:t>You Lose (or Asteroid Impact)</a:t>
             </a:r>
-            <a:endParaRPr lang="en-US" sz="3200" dirty="0" smtClean="0">
-              <a:solidFill>
-                <a:srgbClr val="FFC000"/>
-              </a:solidFill>
-            </a:endParaRPr>
           </a:p>
           <a:p>
             <a:endParaRPr lang="en-US" dirty="0"/>
@@ -9385,105 +9258,6 @@
           </a:prstGeom>
         </p:spPr>
       </p:pic>
-      <p:cxnSp>
-        <p:nvCxnSpPr>
-          <p:cNvPr id="6" name="Straight Arrow Connector 5"/>
-          <p:cNvCxnSpPr/>
-          <p:nvPr/>
-        </p:nvCxnSpPr>
-        <p:spPr>
-          <a:xfrm>
-            <a:off x="4953000" y="2209800"/>
-            <a:ext cx="1219200" cy="228600"/>
-          </a:xfrm>
-          <a:prstGeom prst="straightConnector1">
-            <a:avLst/>
-          </a:prstGeom>
-          <a:ln>
-            <a:tailEnd type="triangle"/>
-          </a:ln>
-        </p:spPr>
-        <p:style>
-          <a:lnRef idx="1">
-            <a:schemeClr val="accent1"/>
-          </a:lnRef>
-          <a:fillRef idx="0">
-            <a:schemeClr val="accent1"/>
-          </a:fillRef>
-          <a:effectRef idx="0">
-            <a:schemeClr val="accent1"/>
-          </a:effectRef>
-          <a:fontRef idx="minor">
-            <a:schemeClr val="tx1"/>
-          </a:fontRef>
-        </p:style>
-      </p:cxnSp>
-      <p:cxnSp>
-        <p:nvCxnSpPr>
-          <p:cNvPr id="8" name="Straight Arrow Connector 7"/>
-          <p:cNvCxnSpPr/>
-          <p:nvPr/>
-        </p:nvCxnSpPr>
-        <p:spPr>
-          <a:xfrm>
-            <a:off x="5105400" y="2895600"/>
-            <a:ext cx="1066800" cy="152400"/>
-          </a:xfrm>
-          <a:prstGeom prst="straightConnector1">
-            <a:avLst/>
-          </a:prstGeom>
-          <a:ln>
-            <a:tailEnd type="triangle"/>
-          </a:ln>
-        </p:spPr>
-        <p:style>
-          <a:lnRef idx="1">
-            <a:schemeClr val="accent1"/>
-          </a:lnRef>
-          <a:fillRef idx="0">
-            <a:schemeClr val="accent1"/>
-          </a:fillRef>
-          <a:effectRef idx="0">
-            <a:schemeClr val="accent1"/>
-          </a:effectRef>
-          <a:fontRef idx="minor">
-            <a:schemeClr val="tx1"/>
-          </a:fontRef>
-        </p:style>
-      </p:cxnSp>
-      <p:cxnSp>
-        <p:nvCxnSpPr>
-          <p:cNvPr id="10" name="Straight Arrow Connector 9"/>
-          <p:cNvCxnSpPr/>
-          <p:nvPr/>
-        </p:nvCxnSpPr>
-        <p:spPr>
-          <a:xfrm>
-            <a:off x="3955745" y="5334000"/>
-            <a:ext cx="2133600" cy="152400"/>
-          </a:xfrm>
-          <a:prstGeom prst="straightConnector1">
-            <a:avLst/>
-          </a:prstGeom>
-          <a:ln>
-            <a:tailEnd type="triangle"/>
-          </a:ln>
-        </p:spPr>
-        <p:style>
-          <a:lnRef idx="1">
-            <a:schemeClr val="accent1"/>
-          </a:lnRef>
-          <a:fillRef idx="0">
-            <a:schemeClr val="accent1"/>
-          </a:fillRef>
-          <a:effectRef idx="0">
-            <a:schemeClr val="accent1"/>
-          </a:effectRef>
-          <a:fontRef idx="minor">
-            <a:schemeClr val="tx1"/>
-          </a:fontRef>
-        </p:style>
-      </p:cxnSp>
     </p:spTree>
     <p:extLst>
       <p:ext uri="{BB962C8B-B14F-4D97-AF65-F5344CB8AC3E}">
@@ -11073,23 +10847,7 @@
                   <a:schemeClr val="bg1"/>
                 </a:solidFill>
               </a:rPr>
-              <a:t>If it goes off the screen, it shows up on the other side.  Just </a:t>
-            </a:r>
-            <a:r>
-              <a:rPr lang="en-US" sz="3800" dirty="0" smtClean="0">
-                <a:solidFill>
-                  <a:schemeClr val="bg1"/>
-                </a:solidFill>
-              </a:rPr>
-              <a:t>use the backpack to copy </a:t>
-            </a:r>
-            <a:r>
-              <a:rPr lang="en-US" sz="3800" dirty="0" smtClean="0">
-                <a:solidFill>
-                  <a:schemeClr val="bg1"/>
-                </a:solidFill>
-              </a:rPr>
-              <a:t>that code from</a:t>
+              <a:t>If it goes off the screen, it shows up on the other side.  Just use the backpack to copy that code from</a:t>
             </a:r>
             <a:endParaRPr lang="en-US" sz="4500" dirty="0">
               <a:solidFill>
@@ -11120,11 +10878,6 @@
               </a:rPr>
               <a:t>scratch.mit.edu/projects/17450708</a:t>
             </a:r>
-            <a:endParaRPr lang="en-US" sz="4500" dirty="0" smtClean="0">
-              <a:solidFill>
-                <a:schemeClr val="bg1"/>
-              </a:solidFill>
-            </a:endParaRPr>
           </a:p>
         </p:txBody>
       </p:sp>
@@ -11909,23 +11662,27 @@
                   <a:schemeClr val="bg1"/>
                 </a:solidFill>
               </a:rPr>
-              <a:t>It sets </a:t>
-            </a:r>
+              <a:t>It sets up the game’s starting conditions</a:t>
+            </a:r>
+          </a:p>
+          <a:p>
             <a:r>
               <a:rPr lang="en-US" dirty="0" smtClean="0">
                 <a:solidFill>
                   <a:schemeClr val="bg1"/>
                 </a:solidFill>
               </a:rPr>
-              <a:t>up the game’s starting </a:t>
-            </a:r>
+              <a:t>It handles all key presses    (up, down, right, left, space)</a:t>
+            </a:r>
+          </a:p>
+          <a:p>
             <a:r>
               <a:rPr lang="en-US" dirty="0" smtClean="0">
                 <a:solidFill>
                   <a:schemeClr val="bg1"/>
                 </a:solidFill>
               </a:rPr>
-              <a:t>conditions</a:t>
+              <a:t>It detects if an asteroid hits it.</a:t>
             </a:r>
           </a:p>
           <a:p>
@@ -11935,41 +11692,8 @@
                   <a:schemeClr val="bg1"/>
                 </a:solidFill>
               </a:rPr>
-              <a:t>It handles all key presses    (up, down, right, left, space)</a:t>
-            </a:r>
-          </a:p>
-          <a:p>
-            <a:r>
-              <a:rPr lang="en-US" dirty="0" smtClean="0">
-                <a:solidFill>
-                  <a:schemeClr val="bg1"/>
-                </a:solidFill>
-              </a:rPr>
-              <a:t>It detects if an asteroid hits it</a:t>
-            </a:r>
-            <a:r>
-              <a:rPr lang="en-US" dirty="0" smtClean="0">
-                <a:solidFill>
-                  <a:schemeClr val="bg1"/>
-                </a:solidFill>
-              </a:rPr>
-              <a:t>.</a:t>
-            </a:r>
-          </a:p>
-          <a:p>
-            <a:r>
-              <a:rPr lang="en-US" dirty="0" smtClean="0">
-                <a:solidFill>
-                  <a:schemeClr val="bg1"/>
-                </a:solidFill>
-              </a:rPr>
               <a:t>(movement….)</a:t>
             </a:r>
-            <a:endParaRPr lang="en-US" dirty="0" smtClean="0">
-              <a:solidFill>
-                <a:schemeClr val="bg1"/>
-              </a:solidFill>
-            </a:endParaRPr>
           </a:p>
           <a:p>
             <a:endParaRPr lang="en-US" dirty="0" smtClean="0">
@@ -12651,33 +12375,17 @@
                   <a:schemeClr val="bg1"/>
                 </a:solidFill>
               </a:rPr>
-              <a:t>It’s easier to start coding with just one </a:t>
-            </a:r>
+              <a:t>It’s easier to start coding with just one bullet (not using clones), </a:t>
+            </a:r>
+          </a:p>
+          <a:p>
             <a:r>
               <a:rPr lang="en-US" dirty="0" smtClean="0">
                 <a:solidFill>
                   <a:schemeClr val="bg1"/>
                 </a:solidFill>
               </a:rPr>
-              <a:t>bullet (not using clones), </a:t>
-            </a:r>
-          </a:p>
-          <a:p>
-            <a:r>
-              <a:rPr lang="en-US" dirty="0" smtClean="0">
-                <a:solidFill>
-                  <a:schemeClr val="bg1"/>
-                </a:solidFill>
-              </a:rPr>
-              <a:t>but </a:t>
-            </a:r>
-            <a:r>
-              <a:rPr lang="en-US" dirty="0" smtClean="0">
-                <a:solidFill>
-                  <a:schemeClr val="bg1"/>
-                </a:solidFill>
-              </a:rPr>
-              <a:t>it’s easier to </a:t>
+              <a:t>but it’s easier to </a:t>
             </a:r>
             <a:r>
               <a:rPr lang="en-US" i="1" dirty="0">
@@ -12717,15 +12425,7 @@
                   <a:schemeClr val="bg1"/>
                 </a:solidFill>
               </a:rPr>
-              <a:t>Bullet logic is less tricky with “</a:t>
-            </a:r>
-            <a:r>
-              <a:rPr lang="en-US" dirty="0" smtClean="0">
-                <a:solidFill>
-                  <a:schemeClr val="bg1"/>
-                </a:solidFill>
-              </a:rPr>
-              <a:t>Go to” and “point in”</a:t>
+              <a:t>Bullet logic is less tricky with “Go to” and “point in”</a:t>
             </a:r>
           </a:p>
           <a:p>
@@ -13681,7 +13381,7 @@
   <a:extraClrSchemeLst/>
   <a:extLst>
     <a:ext uri="{05A4C25C-085E-4340-85A3-A5531E510DB2}">
-      <thm15:themeFamily xmlns:thm15="http://schemas.microsoft.com/office/thememl/2012/main" name="Office Theme" id="{62F939B6-93AF-4DB8-9C6B-D6C7DFDC589F}" vid="{4A3C46E8-61CC-4603-A589-7422A47A8E4A}"/>
+      <thm15:themeFamily xmlns:thm15="http://schemas.microsoft.com/office/thememl/2012/main" xmlns="" name="Office Theme" id="{62F939B6-93AF-4DB8-9C6B-D6C7DFDC589F}" vid="{4A3C46E8-61CC-4603-A589-7422A47A8E4A}"/>
     </a:ext>
   </a:extLst>
 </a:theme>
@@ -13942,7 +13642,7 @@
   <a:extraClrSchemeLst/>
   <a:extLst>
     <a:ext uri="{05A4C25C-085E-4340-85A3-A5531E510DB2}">
-      <thm15:themeFamily xmlns:thm15="http://schemas.microsoft.com/office/thememl/2012/main" name="Office Theme" id="{62F939B6-93AF-4DB8-9C6B-D6C7DFDC589F}" vid="{4A3C46E8-61CC-4603-A589-7422A47A8E4A}"/>
+      <thm15:themeFamily xmlns:thm15="http://schemas.microsoft.com/office/thememl/2012/main" xmlns="" name="Office Theme" id="{62F939B6-93AF-4DB8-9C6B-D6C7DFDC589F}" vid="{4A3C46E8-61CC-4603-A589-7422A47A8E4A}"/>
     </a:ext>
   </a:extLst>
 </a:theme>
